--- a/LAB04/LAB04-Vectors.pptx
+++ b/LAB04/LAB04-Vectors.pptx
@@ -10180,9 +10180,66 @@
             </a:pPr>
             <a:r>
               <a:rPr lang="en-US" sz="2000" b="1" dirty="0">
-                <a:cs typeface="Courier New" panose="02070309020205020404" pitchFamily="49" charset="0"/>
-              </a:rPr>
-              <a:t>The Final Result of the Addition</a:t>
+                <a:latin typeface="+mn-lt"/>
+                <a:cs typeface="Courier New" panose="02070309020205020404" pitchFamily="49" charset="0"/>
+              </a:rPr>
+              <a:t>The </a:t>
+            </a:r>
+            <a:r>
+              <a:rPr lang="en-US" sz="2000" b="1" dirty="0" smtClean="0">
+                <a:latin typeface="+mn-lt"/>
+                <a:cs typeface="Courier New" panose="02070309020205020404" pitchFamily="49" charset="0"/>
+              </a:rPr>
+              <a:t>Resulting</a:t>
+            </a:r>
+            <a:br>
+              <a:rPr lang="en-US" sz="2000" b="1" dirty="0" smtClean="0">
+                <a:latin typeface="+mn-lt"/>
+                <a:cs typeface="Courier New" panose="02070309020205020404" pitchFamily="49" charset="0"/>
+              </a:rPr>
+            </a:br>
+            <a:r>
+              <a:rPr lang="en-US" sz="2000" b="1" dirty="0" smtClean="0">
+                <a:latin typeface="+mn-lt"/>
+                <a:cs typeface="Courier New" panose="02070309020205020404" pitchFamily="49" charset="0"/>
+              </a:rPr>
+              <a:t>Vector [2,3] </a:t>
+            </a:r>
+            <a:br>
+              <a:rPr lang="en-US" sz="2000" b="1" dirty="0" smtClean="0">
+                <a:latin typeface="+mn-lt"/>
+                <a:cs typeface="Courier New" panose="02070309020205020404" pitchFamily="49" charset="0"/>
+              </a:rPr>
+            </a:br>
+            <a:endParaRPr lang="en-US" sz="2000" b="1" dirty="0" smtClean="0">
+              <a:latin typeface="+mn-lt"/>
+              <a:cs typeface="Courier New" panose="02070309020205020404" pitchFamily="49" charset="0"/>
+            </a:endParaRPr>
+          </a:p>
+          <a:p>
+            <a:pPr marL="203200" indent="0">
+              <a:buNone/>
+            </a:pPr>
+            <a:r>
+              <a:rPr lang="en-US" sz="2000" b="1" dirty="0" smtClean="0">
+                <a:latin typeface="+mn-lt"/>
+                <a:cs typeface="Courier New" panose="02070309020205020404" pitchFamily="49" charset="0"/>
+              </a:rPr>
+              <a:t>with </a:t>
+            </a:r>
+            <a:r>
+              <a:rPr lang="en-US" sz="2000" b="1" dirty="0">
+                <a:latin typeface="+mn-lt"/>
+                <a:cs typeface="Courier New" panose="02070309020205020404" pitchFamily="49" charset="0"/>
+              </a:rPr>
+              <a:t>Vector [1,2] transposed to start of </a:t>
+            </a:r>
+            <a:r>
+              <a:rPr lang="en-US" sz="2000" b="1" dirty="0" smtClean="0">
+                <a:latin typeface="+mn-lt"/>
+                <a:cs typeface="Courier New" panose="02070309020205020404" pitchFamily="49" charset="0"/>
+              </a:rPr>
+              <a:t>Vector [1,1] shown. </a:t>
             </a:r>
             <a:endParaRPr lang="en-US" sz="2000" b="1" dirty="0" smtClean="0">
               <a:latin typeface="+mn-lt"/>
@@ -10706,10 +10763,6 @@
               </a:rPr>
               <a:t>    }</a:t>
             </a:r>
-            <a:endParaRPr lang="en-US" sz="1400" b="1" dirty="0">
-              <a:latin typeface="Courier New" panose="02070309020205020404" pitchFamily="49" charset="0"/>
-              <a:cs typeface="Courier New" panose="02070309020205020404" pitchFamily="49" charset="0"/>
-            </a:endParaRPr>
           </a:p>
         </p:txBody>
       </p:sp>
@@ -11408,7 +11461,6 @@
               <a:rPr lang="en-US" dirty="0"/>
               <a:t>Vector Heading</a:t>
             </a:r>
-            <a:endParaRPr lang="en-US" dirty="0"/>
           </a:p>
         </p:txBody>
       </p:sp>
@@ -12369,19 +12421,8 @@
                 <a:latin typeface="+mn-lt"/>
                 <a:cs typeface="Courier New" panose="02070309020205020404" pitchFamily="49" charset="0"/>
               </a:rPr>
-              <a:t>Vectors are objects with </a:t>
-            </a:r>
-            <a:r>
-              <a:rPr lang="en-US" sz="2000" b="1" dirty="0" smtClean="0">
-                <a:latin typeface="+mn-lt"/>
-                <a:cs typeface="Courier New" panose="02070309020205020404" pitchFamily="49" charset="0"/>
-              </a:rPr>
-              <a:t>multiple float components</a:t>
-            </a:r>
-            <a:endParaRPr lang="en-US" sz="2000" b="1" dirty="0" smtClean="0">
-              <a:latin typeface="+mn-lt"/>
-              <a:cs typeface="Courier New" panose="02070309020205020404" pitchFamily="49" charset="0"/>
-            </a:endParaRPr>
+              <a:t>Vectors are objects with multiple float components</a:t>
+            </a:r>
           </a:p>
           <a:p>
             <a:pPr marL="203200" indent="0">
@@ -12478,10 +12519,6 @@
               </a:rPr>
               <a:t>directions</a:t>
             </a:r>
-            <a:endParaRPr lang="en-US" sz="2000" b="1" dirty="0" smtClean="0">
-              <a:latin typeface="+mn-lt"/>
-              <a:cs typeface="Courier New" panose="02070309020205020404" pitchFamily="49" charset="0"/>
-            </a:endParaRPr>
           </a:p>
           <a:p>
             <a:pPr marL="203200" indent="0">
@@ -13681,10 +13718,6 @@
               </a:rPr>
               <a:t>    }</a:t>
             </a:r>
-            <a:endParaRPr lang="en-US" sz="1400" b="1" dirty="0">
-              <a:latin typeface="Courier New" panose="02070309020205020404" pitchFamily="49" charset="0"/>
-              <a:cs typeface="Courier New" panose="02070309020205020404" pitchFamily="49" charset="0"/>
-            </a:endParaRPr>
           </a:p>
         </p:txBody>
       </p:sp>
@@ -14892,10 +14925,6 @@
               </a:rPr>
               <a:t>    }</a:t>
             </a:r>
-            <a:endParaRPr lang="en-US" sz="1400" b="1" dirty="0">
-              <a:latin typeface="Courier New" panose="02070309020205020404" pitchFamily="49" charset="0"/>
-              <a:cs typeface="Courier New" panose="02070309020205020404" pitchFamily="49" charset="0"/>
-            </a:endParaRPr>
           </a:p>
         </p:txBody>
       </p:sp>
@@ -14978,7 +15007,6 @@
               <a:rPr lang="en-US" dirty="0"/>
               <a:t>Normalize</a:t>
             </a:r>
-            <a:endParaRPr lang="en-US" dirty="0"/>
           </a:p>
         </p:txBody>
       </p:sp>
@@ -15545,6 +15573,60 @@
               </a:rPr>
               <a:t>Direction Vector * Movement Speed = Change in Position</a:t>
             </a:r>
+          </a:p>
+          <a:p>
+            <a:pPr marL="203200" indent="0">
+              <a:buNone/>
+            </a:pPr>
+            <a:endParaRPr lang="en-US" sz="2000" b="1" dirty="0">
+              <a:latin typeface="+mn-lt"/>
+              <a:cs typeface="Courier New" panose="02070309020205020404" pitchFamily="49" charset="0"/>
+            </a:endParaRPr>
+          </a:p>
+          <a:p>
+            <a:pPr marL="203200" indent="0">
+              <a:buNone/>
+            </a:pPr>
+            <a:r>
+              <a:rPr lang="en-US" sz="2000" b="1" dirty="0" smtClean="0">
+                <a:latin typeface="+mn-lt"/>
+                <a:cs typeface="Courier New" panose="02070309020205020404" pitchFamily="49" charset="0"/>
+              </a:rPr>
+              <a:t>Remember it’s your actual speed, </a:t>
+            </a:r>
+          </a:p>
+          <a:p>
+            <a:pPr marL="203200" indent="0">
+              <a:buNone/>
+            </a:pPr>
+            <a:r>
+              <a:rPr lang="en-US" sz="2000" b="1" dirty="0">
+                <a:latin typeface="+mn-lt"/>
+                <a:cs typeface="Courier New" panose="02070309020205020404" pitchFamily="49" charset="0"/>
+              </a:rPr>
+              <a:t>	</a:t>
+            </a:r>
+            <a:r>
+              <a:rPr lang="en-US" sz="2000" b="1" dirty="0" smtClean="0">
+                <a:latin typeface="+mn-lt"/>
+                <a:cs typeface="Courier New" panose="02070309020205020404" pitchFamily="49" charset="0"/>
+              </a:rPr>
+              <a:t>that is (Movement Speed* </a:t>
+            </a:r>
+            <a:r>
+              <a:rPr lang="en-US" sz="2000" b="1" dirty="0" err="1" smtClean="0">
+                <a:latin typeface="+mn-lt"/>
+                <a:cs typeface="Courier New" panose="02070309020205020404" pitchFamily="49" charset="0"/>
+              </a:rPr>
+              <a:t>Time.deltaTime</a:t>
+            </a:r>
+            <a:r>
+              <a:rPr lang="en-US" sz="2000" b="1" dirty="0" smtClean="0">
+                <a:latin typeface="+mn-lt"/>
+                <a:cs typeface="Courier New" panose="02070309020205020404" pitchFamily="49" charset="0"/>
+              </a:rPr>
+              <a:t>)</a:t>
+            </a:r>
             <a:endParaRPr lang="en-US" sz="2000" b="1" dirty="0">
               <a:latin typeface="+mn-lt"/>
               <a:cs typeface="Courier New" panose="02070309020205020404" pitchFamily="49" charset="0"/>
@@ -16489,10 +16571,6 @@
               </a:rPr>
               <a:t>)  ]</a:t>
             </a:r>
-            <a:endParaRPr lang="en-US" sz="2400" b="1" i="1" dirty="0">
-              <a:latin typeface="+mn-lt"/>
-              <a:cs typeface="Courier New" panose="02070309020205020404" pitchFamily="49" charset="0"/>
-            </a:endParaRPr>
           </a:p>
         </p:txBody>
       </p:sp>
@@ -16600,21 +16678,40 @@
             <a:pPr marL="203200" indent="0">
               <a:buNone/>
             </a:pPr>
-            <a:endParaRPr lang="en-US" sz="2000" b="1" dirty="0">
-              <a:latin typeface="+mn-lt"/>
-              <a:cs typeface="Courier New" panose="02070309020205020404" pitchFamily="49" charset="0"/>
-            </a:endParaRPr>
-          </a:p>
-          <a:p>
-            <a:pPr marL="203200" indent="0">
-              <a:buNone/>
-            </a:pPr>
             <a:r>
               <a:rPr lang="en-US" sz="2000" b="1" dirty="0" smtClean="0">
                 <a:latin typeface="+mn-lt"/>
                 <a:cs typeface="Courier New" panose="02070309020205020404" pitchFamily="49" charset="0"/>
               </a:rPr>
-              <a:t>[1,2] Moved to start at [1,1]</a:t>
+              <a:t>Vector </a:t>
+            </a:r>
+            <a:r>
+              <a:rPr lang="en-US" sz="2000" b="1" dirty="0" smtClean="0">
+                <a:latin typeface="+mn-lt"/>
+                <a:cs typeface="Courier New" panose="02070309020205020404" pitchFamily="49" charset="0"/>
+              </a:rPr>
+              <a:t>[1,2</a:t>
+            </a:r>
+            <a:r>
+              <a:rPr lang="en-US" sz="2000" b="1" dirty="0" smtClean="0">
+                <a:latin typeface="+mn-lt"/>
+                <a:cs typeface="Courier New" panose="02070309020205020404" pitchFamily="49" charset="0"/>
+              </a:rPr>
+              <a:t>] Moved </a:t>
+            </a:r>
+            <a:r>
+              <a:rPr lang="en-US" sz="2000" b="1" dirty="0" smtClean="0">
+                <a:latin typeface="+mn-lt"/>
+                <a:cs typeface="Courier New" panose="02070309020205020404" pitchFamily="49" charset="0"/>
+              </a:rPr>
+              <a:t>Vector to </a:t>
+            </a:r>
+            <a:r>
+              <a:rPr lang="en-US" sz="2000" b="1" dirty="0" smtClean="0">
+                <a:latin typeface="+mn-lt"/>
+                <a:cs typeface="Courier New" panose="02070309020205020404" pitchFamily="49" charset="0"/>
+              </a:rPr>
+              <a:t>start at [1,1]</a:t>
             </a:r>
           </a:p>
           <a:p>
@@ -16775,11 +16872,122 @@
               <a:buNone/>
             </a:pPr>
             <a:r>
+              <a:rPr lang="en-US" sz="2000" b="1" dirty="0" smtClean="0">
+                <a:latin typeface="+mn-lt"/>
+                <a:cs typeface="Courier New" panose="02070309020205020404" pitchFamily="49" charset="0"/>
+              </a:rPr>
+              <a:t>The Result </a:t>
+            </a:r>
+            <a:r>
               <a:rPr lang="en-US" sz="2000" b="1" dirty="0">
-                <a:cs typeface="Courier New" panose="02070309020205020404" pitchFamily="49" charset="0"/>
-              </a:rPr>
-              <a:t>The Final Result of the Addition</a:t>
-            </a:r>
+                <a:latin typeface="+mn-lt"/>
+                <a:cs typeface="Courier New" panose="02070309020205020404" pitchFamily="49" charset="0"/>
+              </a:rPr>
+              <a:t>[2,3] </a:t>
+            </a:r>
+            <a:r>
+              <a:rPr lang="en-US" sz="2000" b="1" dirty="0" smtClean="0">
+                <a:latin typeface="+mn-lt"/>
+                <a:cs typeface="Courier New" panose="02070309020205020404" pitchFamily="49" charset="0"/>
+              </a:rPr>
+              <a:t/>
+            </a:r>
+            <a:br>
+              <a:rPr lang="en-US" sz="2000" b="1" dirty="0" smtClean="0">
+                <a:latin typeface="+mn-lt"/>
+                <a:cs typeface="Courier New" panose="02070309020205020404" pitchFamily="49" charset="0"/>
+              </a:rPr>
+            </a:br>
+            <a:endParaRPr lang="en-US" sz="2000" b="1" dirty="0" smtClean="0">
+              <a:latin typeface="+mn-lt"/>
+              <a:cs typeface="Courier New" panose="02070309020205020404" pitchFamily="49" charset="0"/>
+            </a:endParaRPr>
+          </a:p>
+          <a:p>
+            <a:pPr marL="203200" indent="0">
+              <a:buNone/>
+            </a:pPr>
+            <a:r>
+              <a:rPr lang="en-US" sz="2000" b="1" dirty="0" smtClean="0">
+                <a:latin typeface="+mn-lt"/>
+                <a:cs typeface="Courier New" panose="02070309020205020404" pitchFamily="49" charset="0"/>
+              </a:rPr>
+              <a:t>by seeing Vector [1,2</a:t>
+            </a:r>
+            <a:r>
+              <a:rPr lang="en-US" sz="2000" b="1" dirty="0">
+                <a:latin typeface="+mn-lt"/>
+                <a:cs typeface="Courier New" panose="02070309020205020404" pitchFamily="49" charset="0"/>
+              </a:rPr>
+              <a:t>] </a:t>
+            </a:r>
+            <a:r>
+              <a:rPr lang="en-US" sz="2000" b="1" dirty="0" smtClean="0">
+                <a:latin typeface="+mn-lt"/>
+                <a:cs typeface="Courier New" panose="02070309020205020404" pitchFamily="49" charset="0"/>
+              </a:rPr>
+              <a:t>moved </a:t>
+            </a:r>
+            <a:r>
+              <a:rPr lang="en-US" sz="2000" b="1" dirty="0">
+                <a:latin typeface="+mn-lt"/>
+                <a:cs typeface="Courier New" panose="02070309020205020404" pitchFamily="49" charset="0"/>
+              </a:rPr>
+              <a:t>to start at </a:t>
+            </a:r>
+            <a:r>
+              <a:rPr lang="en-US" sz="2000" b="1" dirty="0" smtClean="0">
+                <a:latin typeface="+mn-lt"/>
+                <a:cs typeface="Courier New" panose="02070309020205020404" pitchFamily="49" charset="0"/>
+              </a:rPr>
+              <a:t>Vector [1,1]</a:t>
+            </a:r>
+          </a:p>
+          <a:p>
+            <a:pPr marL="203200" indent="0">
+              <a:buNone/>
+            </a:pPr>
+            <a:endParaRPr lang="en-US" sz="2000" b="1" dirty="0">
+              <a:latin typeface="+mn-lt"/>
+              <a:cs typeface="Courier New" panose="02070309020205020404" pitchFamily="49" charset="0"/>
+            </a:endParaRPr>
+          </a:p>
+          <a:p>
+            <a:pPr marL="203200" indent="0">
+              <a:buNone/>
+            </a:pPr>
+            <a:r>
+              <a:rPr lang="en-US" sz="2000" b="1" dirty="0" smtClean="0">
+                <a:latin typeface="+mn-lt"/>
+                <a:cs typeface="Courier New" panose="02070309020205020404" pitchFamily="49" charset="0"/>
+              </a:rPr>
+              <a:t>The mathematical term for this move is called “Transpose”</a:t>
+            </a:r>
+            <a:endParaRPr lang="en-US" sz="2000" b="1" dirty="0">
+              <a:latin typeface="+mn-lt"/>
+              <a:cs typeface="Courier New" panose="02070309020205020404" pitchFamily="49" charset="0"/>
+            </a:endParaRPr>
+          </a:p>
+          <a:p>
+            <a:pPr marL="203200" indent="0">
+              <a:buNone/>
+            </a:pPr>
+            <a:endParaRPr lang="en-US" sz="2000" b="1" dirty="0">
+              <a:cs typeface="Courier New" panose="02070309020205020404" pitchFamily="49" charset="0"/>
+            </a:endParaRPr>
+          </a:p>
+          <a:p>
+            <a:pPr marL="203200" indent="0">
+              <a:buNone/>
+            </a:pPr>
+            <a:endParaRPr lang="en-US" sz="2000" b="1" dirty="0">
+              <a:cs typeface="Courier New" panose="02070309020205020404" pitchFamily="49" charset="0"/>
+            </a:endParaRPr>
+          </a:p>
+          <a:p>
+            <a:pPr marL="203200" indent="0">
+              <a:buNone/>
+            </a:pPr>
             <a:endParaRPr lang="en-US" sz="2000" b="1" dirty="0" smtClean="0">
               <a:latin typeface="+mn-lt"/>
               <a:cs typeface="Courier New" panose="02070309020205020404" pitchFamily="49" charset="0"/>
